--- a/CSE308-S19/Slides/PPT/Introduction to React and MongoDB.pptx
+++ b/CSE308-S19/Slides/PPT/Introduction to React and MongoDB.pptx
@@ -12089,8 +12089,14 @@
           <a:p>
             <a:pPr lvl="1"/>
             <a:r>
-              <a:rPr lang="en-US" dirty="0"/>
-              <a:t>https://medium.com/quick-code/react-native-location-tracking-14ab2c9e2db8 </a:t>
+              <a:rPr lang="en-US" dirty="0">
+                <a:hlinkClick r:id="rId2"/>
+              </a:rPr>
+              <a:t>https://medium.com/quick-code/react-native-location-tracking-14ab2c9e2db8</a:t>
+            </a:r>
+            <a:r>
+              <a:rPr lang="en-US" dirty="0"/>
+              <a:t>  </a:t>
             </a:r>
           </a:p>
           <a:p>
@@ -12102,8 +12108,14 @@
           <a:p>
             <a:pPr lvl="1"/>
             <a:r>
-              <a:rPr lang="en-US" dirty="0"/>
-              <a:t>https://alexanderpaterson.com/posts/add-social-authentication-to-a-react-native-application </a:t>
+              <a:rPr lang="en-US" dirty="0">
+                <a:hlinkClick r:id="rId3"/>
+              </a:rPr>
+              <a:t>https://alexanderpaterson.com/posts/add-social-authentication-to-a-react-native-application</a:t>
+            </a:r>
+            <a:r>
+              <a:rPr lang="en-US" dirty="0"/>
+              <a:t>  </a:t>
             </a:r>
           </a:p>
           <a:p>
@@ -12115,8 +12127,14 @@
           <a:p>
             <a:pPr lvl="1"/>
             <a:r>
-              <a:rPr lang="en-US" dirty="0"/>
+              <a:rPr lang="en-US" dirty="0">
+                <a:hlinkClick r:id="rId4"/>
+              </a:rPr>
               <a:t>https://www.djamware.com/post/5ab6397c80aca714d19d5b9c/building-spring-boot-mongodb-and-reactjs-crud-web-application</a:t>
+            </a:r>
+            <a:r>
+              <a:rPr lang="en-US" dirty="0"/>
+              <a:t> </a:t>
             </a:r>
           </a:p>
         </p:txBody>
